--- a/lectures/14/Research Presentation.pptx
+++ b/lectures/14/Research Presentation.pptx
@@ -13,7 +13,7 @@
   <p:sldIdLst>
     <p:sldId id="256" r:id="rId5"/>
     <p:sldId id="312" r:id="rId6"/>
-    <p:sldId id="264" r:id="rId7"/>
+    <p:sldId id="313" r:id="rId7"/>
   </p:sldIdLst>
   <p:sldSz cx="12192000" cy="6858000"/>
   <p:notesSz cx="6858000" cy="9144000"/>
@@ -217,7 +217,7 @@
           <a:p>
             <a:fld id="{73B2889B-A0AC-4482-8592-5C96F2309420}" type="datetimeFigureOut">
               <a:rPr lang="en-US" smtClean="0"/>
-              <a:t>8/27/2021</a:t>
+              <a:t>10/11/2021</a:t>
             </a:fld>
             <a:endParaRPr lang="en-US"/>
           </a:p>
@@ -394,7 +394,7 @@
           <a:p>
             <a:fld id="{830EB223-FFC0-462A-A3B8-EAA7CE0F8CBD}" type="datetimeFigureOut">
               <a:rPr lang="en-US" smtClean="0"/>
-              <a:t>8/27/2021</a:t>
+              <a:t>10/11/2021</a:t>
             </a:fld>
             <a:endParaRPr lang="en-US" dirty="0"/>
           </a:p>
@@ -767,180 +767,6 @@
 </p:notes>
 </file>
 
-<file path=ppt/notesSlides/notesSlide2.xml><?xml version="1.0" encoding="utf-8"?>
-<p:notes xmlns:a="http://schemas.openxmlformats.org/drawingml/2006/main" xmlns:r="http://schemas.openxmlformats.org/officeDocument/2006/relationships" xmlns:p="http://schemas.openxmlformats.org/presentationml/2006/main">
-  <p:cSld>
-    <p:spTree>
-      <p:nvGrpSpPr>
-        <p:cNvPr id="1" name=""/>
-        <p:cNvGrpSpPr/>
-        <p:nvPr/>
-      </p:nvGrpSpPr>
-      <p:grpSpPr>
-        <a:xfrm>
-          <a:off x="0" y="0"/>
-          <a:ext cx="0" cy="0"/>
-          <a:chOff x="0" y="0"/>
-          <a:chExt cx="0" cy="0"/>
-        </a:xfrm>
-      </p:grpSpPr>
-      <p:sp>
-        <p:nvSpPr>
-          <p:cNvPr id="2" name="Slide Image Placeholder 1"/>
-          <p:cNvSpPr>
-            <a:spLocks noGrp="1" noRot="1" noChangeAspect="1"/>
-          </p:cNvSpPr>
-          <p:nvPr>
-            <p:ph type="sldImg"/>
-          </p:nvPr>
-        </p:nvSpPr>
-        <p:spPr/>
-      </p:sp>
-      <p:sp>
-        <p:nvSpPr>
-          <p:cNvPr id="3" name="Notes Placeholder 2"/>
-          <p:cNvSpPr>
-            <a:spLocks noGrp="1"/>
-          </p:cNvSpPr>
-          <p:nvPr>
-            <p:ph type="body" idx="1"/>
-          </p:nvPr>
-        </p:nvSpPr>
-        <p:spPr/>
-        <p:txBody>
-          <a:bodyPr/>
-          <a:lstStyle/>
-          <a:p>
-            <a:r>
-              <a:rPr lang="en-US" dirty="0">
-                <a:latin typeface="Segoe UI" panose="020B0502040204020203" pitchFamily="34" charset="0"/>
-                <a:cs typeface="Segoe UI" panose="020B0502040204020203" pitchFamily="34" charset="0"/>
-              </a:rPr>
-              <a:t>You can use this slide as your opening or closing slide.  Should you choose to use it as a closing, make sure you review the main points of your presentation.  One creative way to do that is by adding animations to the various graphics on a slide.  This slide has 4 different graphics, and, when you view the slideshow, you will see that you can click to reveal the next graphic.  Similarly, as you review the main topics in your presentation, you may want each point to show up when you are addressing that topic. </a:t>
-            </a:r>
-          </a:p>
-          <a:p>
-            <a:endParaRPr lang="en-US" dirty="0">
-              <a:latin typeface="Segoe UI" panose="020B0502040204020203" pitchFamily="34" charset="0"/>
-              <a:cs typeface="Segoe UI" panose="020B0502040204020203" pitchFamily="34" charset="0"/>
-            </a:endParaRPr>
-          </a:p>
-          <a:p>
-            <a:r>
-              <a:rPr lang="en-US" b="1" dirty="0">
-                <a:latin typeface="Segoe UI" panose="020B0502040204020203" pitchFamily="34" charset="0"/>
-                <a:cs typeface="Segoe UI" panose="020B0502040204020203" pitchFamily="34" charset="0"/>
-              </a:rPr>
-              <a:t>Add animation to images and graphics: </a:t>
-            </a:r>
-          </a:p>
-          <a:p>
-            <a:pPr marL="228600" indent="-228600">
-              <a:buAutoNum type="arabicPeriod"/>
-            </a:pPr>
-            <a:r>
-              <a:rPr lang="en-US" dirty="0">
-                <a:latin typeface="Segoe UI" panose="020B0502040204020203" pitchFamily="34" charset="0"/>
-                <a:cs typeface="Segoe UI" panose="020B0502040204020203" pitchFamily="34" charset="0"/>
-              </a:rPr>
-              <a:t>Select your image or graphic.</a:t>
-            </a:r>
-          </a:p>
-          <a:p>
-            <a:pPr marL="228600" indent="-228600">
-              <a:buAutoNum type="arabicPeriod"/>
-            </a:pPr>
-            <a:r>
-              <a:rPr lang="en-US" dirty="0">
-                <a:latin typeface="Segoe UI" panose="020B0502040204020203" pitchFamily="34" charset="0"/>
-                <a:cs typeface="Segoe UI" panose="020B0502040204020203" pitchFamily="34" charset="0"/>
-              </a:rPr>
-              <a:t>Click on the Animations tab.</a:t>
-            </a:r>
-          </a:p>
-          <a:p>
-            <a:pPr marL="228600" indent="-228600">
-              <a:buAutoNum type="arabicPeriod"/>
-            </a:pPr>
-            <a:r>
-              <a:rPr lang="en-US" dirty="0">
-                <a:latin typeface="Segoe UI" panose="020B0502040204020203" pitchFamily="34" charset="0"/>
-                <a:cs typeface="Segoe UI" panose="020B0502040204020203" pitchFamily="34" charset="0"/>
-              </a:rPr>
-              <a:t>Choose from the options.  The animation for this slide is “Split”.  The drop-down menu in the Animation section gives even more animations you can use.</a:t>
-            </a:r>
-          </a:p>
-          <a:p>
-            <a:pPr marL="228600" indent="-228600">
-              <a:buAutoNum type="arabicPeriod"/>
-            </a:pPr>
-            <a:r>
-              <a:rPr lang="en-US" dirty="0">
-                <a:latin typeface="Segoe UI" panose="020B0502040204020203" pitchFamily="34" charset="0"/>
-                <a:cs typeface="Segoe UI" panose="020B0502040204020203" pitchFamily="34" charset="0"/>
-              </a:rPr>
-              <a:t>If you have multiple graphics or images, you will see a number appear next to it that notes the order of the animations.</a:t>
-            </a:r>
-          </a:p>
-          <a:p>
-            <a:pPr marL="228600" indent="-228600">
-              <a:buAutoNum type="arabicPeriod"/>
-            </a:pPr>
-            <a:endParaRPr lang="en-US" b="1" dirty="0">
-              <a:latin typeface="Segoe UI" panose="020B0502040204020203" pitchFamily="34" charset="0"/>
-              <a:cs typeface="Segoe UI" panose="020B0502040204020203" pitchFamily="34" charset="0"/>
-            </a:endParaRPr>
-          </a:p>
-          <a:p>
-            <a:pPr marL="0" indent="0">
-              <a:buNone/>
-            </a:pPr>
-            <a:r>
-              <a:rPr lang="en-US" b="1" dirty="0">
-                <a:latin typeface="Segoe UI" panose="020B0502040204020203" pitchFamily="34" charset="0"/>
-                <a:cs typeface="Segoe UI" panose="020B0502040204020203" pitchFamily="34" charset="0"/>
-              </a:rPr>
-              <a:t>Note: You will want to choose the animations carefully.  You do not want to make your audience dizzy from your presentation.</a:t>
-            </a:r>
-          </a:p>
-        </p:txBody>
-      </p:sp>
-      <p:sp>
-        <p:nvSpPr>
-          <p:cNvPr id="4" name="Slide Number Placeholder 3"/>
-          <p:cNvSpPr>
-            <a:spLocks noGrp="1"/>
-          </p:cNvSpPr>
-          <p:nvPr>
-            <p:ph type="sldNum" sz="quarter" idx="10"/>
-          </p:nvPr>
-        </p:nvSpPr>
-        <p:spPr/>
-        <p:txBody>
-          <a:bodyPr/>
-          <a:lstStyle/>
-          <a:p>
-            <a:fld id="{BC849E9A-41F7-4779-A581-48A7C374A227}" type="slidenum">
-              <a:rPr lang="en-US" smtClean="0"/>
-              <a:t>3</a:t>
-            </a:fld>
-            <a:endParaRPr lang="en-US" dirty="0"/>
-          </a:p>
-        </p:txBody>
-      </p:sp>
-    </p:spTree>
-    <p:extLst>
-      <p:ext uri="{BB962C8B-B14F-4D97-AF65-F5344CB8AC3E}">
-        <p14:creationId xmlns:p14="http://schemas.microsoft.com/office/powerpoint/2010/main" val="644202468"/>
-      </p:ext>
-    </p:extLst>
-  </p:cSld>
-  <p:clrMapOvr>
-    <a:masterClrMapping/>
-  </p:clrMapOvr>
-</p:notes>
-</file>
-
 <file path=ppt/slideLayouts/slideLayout1.xml><?xml version="1.0" encoding="utf-8"?>
 <p:sldLayout xmlns:a="http://schemas.openxmlformats.org/drawingml/2006/main" xmlns:r="http://schemas.openxmlformats.org/officeDocument/2006/relationships" xmlns:p="http://schemas.openxmlformats.org/presentationml/2006/main" type="title" preserve="1">
   <p:cSld name="Title Slide">
@@ -1086,9 +912,9 @@
           <a:bodyPr/>
           <a:lstStyle/>
           <a:p>
-            <a:fld id="{DECF21A4-E71B-4D3A-AF45-E989C23A7BB1}" type="datetimeFigureOut">
+            <a:fld id="{C4EC3E89-068C-4484-9196-39A80941A297}" type="datetime1">
               <a:rPr lang="en-US" smtClean="0"/>
-              <a:t>8/27/2021</a:t>
+              <a:t>10/11/2021</a:t>
             </a:fld>
             <a:endParaRPr lang="en-US" dirty="0"/>
           </a:p>
@@ -1115,6 +941,10 @@
           <a:bodyPr/>
           <a:lstStyle/>
           <a:p>
+            <a:r>
+              <a:rPr lang="en-US"/>
+              <a:t>Mike Nguyen</a:t>
+            </a:r>
             <a:endParaRPr lang="en-US" dirty="0"/>
           </a:p>
         </p:txBody>
@@ -1284,9 +1114,9 @@
           <a:bodyPr/>
           <a:lstStyle/>
           <a:p>
-            <a:fld id="{DECF21A4-E71B-4D3A-AF45-E989C23A7BB1}" type="datetimeFigureOut">
+            <a:fld id="{73EFB051-9B18-4EBA-99FC-F11C30E36AD1}" type="datetime1">
               <a:rPr lang="en-US" smtClean="0"/>
-              <a:t>8/27/2021</a:t>
+              <a:t>10/11/2021</a:t>
             </a:fld>
             <a:endParaRPr lang="en-US" dirty="0"/>
           </a:p>
@@ -1313,6 +1143,10 @@
           <a:bodyPr/>
           <a:lstStyle/>
           <a:p>
+            <a:r>
+              <a:rPr lang="en-US"/>
+              <a:t>Mike Nguyen</a:t>
+            </a:r>
             <a:endParaRPr lang="en-US" dirty="0"/>
           </a:p>
         </p:txBody>
@@ -1492,9 +1326,9 @@
           <a:bodyPr/>
           <a:lstStyle/>
           <a:p>
-            <a:fld id="{DECF21A4-E71B-4D3A-AF45-E989C23A7BB1}" type="datetimeFigureOut">
+            <a:fld id="{120625ED-9EF1-4810-B41C-101ECA886138}" type="datetime1">
               <a:rPr lang="en-US" smtClean="0"/>
-              <a:t>8/27/2021</a:t>
+              <a:t>10/11/2021</a:t>
             </a:fld>
             <a:endParaRPr lang="en-US" dirty="0"/>
           </a:p>
@@ -1521,6 +1355,10 @@
           <a:bodyPr/>
           <a:lstStyle/>
           <a:p>
+            <a:r>
+              <a:rPr lang="en-US"/>
+              <a:t>Mike Nguyen</a:t>
+            </a:r>
             <a:endParaRPr lang="en-US" dirty="0"/>
           </a:p>
         </p:txBody>
@@ -1690,9 +1528,9 @@
           <a:bodyPr/>
           <a:lstStyle/>
           <a:p>
-            <a:fld id="{DECF21A4-E71B-4D3A-AF45-E989C23A7BB1}" type="datetimeFigureOut">
+            <a:fld id="{31CD2D0A-5039-42EF-8D8E-F064A3687C00}" type="datetime1">
               <a:rPr lang="en-US" smtClean="0"/>
-              <a:t>8/27/2021</a:t>
+              <a:t>10/11/2021</a:t>
             </a:fld>
             <a:endParaRPr lang="en-US" dirty="0"/>
           </a:p>
@@ -1719,6 +1557,10 @@
           <a:bodyPr/>
           <a:lstStyle/>
           <a:p>
+            <a:r>
+              <a:rPr lang="en-US"/>
+              <a:t>Mike Nguyen</a:t>
+            </a:r>
             <a:endParaRPr lang="en-US" dirty="0"/>
           </a:p>
         </p:txBody>
@@ -1965,9 +1807,9 @@
           <a:bodyPr/>
           <a:lstStyle/>
           <a:p>
-            <a:fld id="{DECF21A4-E71B-4D3A-AF45-E989C23A7BB1}" type="datetimeFigureOut">
+            <a:fld id="{8FD408BA-41E9-4BCF-9F5C-C15089E959BA}" type="datetime1">
               <a:rPr lang="en-US" smtClean="0"/>
-              <a:t>8/27/2021</a:t>
+              <a:t>10/11/2021</a:t>
             </a:fld>
             <a:endParaRPr lang="en-US" dirty="0"/>
           </a:p>
@@ -1994,6 +1836,10 @@
           <a:bodyPr/>
           <a:lstStyle/>
           <a:p>
+            <a:r>
+              <a:rPr lang="en-US"/>
+              <a:t>Mike Nguyen</a:t>
+            </a:r>
             <a:endParaRPr lang="en-US" dirty="0"/>
           </a:p>
         </p:txBody>
@@ -2230,9 +2076,9 @@
           <a:bodyPr/>
           <a:lstStyle/>
           <a:p>
-            <a:fld id="{DECF21A4-E71B-4D3A-AF45-E989C23A7BB1}" type="datetimeFigureOut">
+            <a:fld id="{2BD15DB2-BF2C-46E7-9567-A1A0C8FC64A0}" type="datetime1">
               <a:rPr lang="en-US" smtClean="0"/>
-              <a:t>8/27/2021</a:t>
+              <a:t>10/11/2021</a:t>
             </a:fld>
             <a:endParaRPr lang="en-US" dirty="0"/>
           </a:p>
@@ -2259,6 +2105,10 @@
           <a:bodyPr/>
           <a:lstStyle/>
           <a:p>
+            <a:r>
+              <a:rPr lang="en-US"/>
+              <a:t>Mike Nguyen</a:t>
+            </a:r>
             <a:endParaRPr lang="en-US" dirty="0"/>
           </a:p>
         </p:txBody>
@@ -2642,9 +2492,9 @@
           <a:bodyPr/>
           <a:lstStyle/>
           <a:p>
-            <a:fld id="{DECF21A4-E71B-4D3A-AF45-E989C23A7BB1}" type="datetimeFigureOut">
+            <a:fld id="{E833F933-0CF2-4BD2-9145-D3413AD5F497}" type="datetime1">
               <a:rPr lang="en-US" smtClean="0"/>
-              <a:t>8/27/2021</a:t>
+              <a:t>10/11/2021</a:t>
             </a:fld>
             <a:endParaRPr lang="en-US" dirty="0"/>
           </a:p>
@@ -2671,6 +2521,10 @@
           <a:bodyPr/>
           <a:lstStyle/>
           <a:p>
+            <a:r>
+              <a:rPr lang="en-US"/>
+              <a:t>Mike Nguyen</a:t>
+            </a:r>
             <a:endParaRPr lang="en-US" dirty="0"/>
           </a:p>
         </p:txBody>
@@ -2783,9 +2637,9 @@
           <a:bodyPr/>
           <a:lstStyle/>
           <a:p>
-            <a:fld id="{DECF21A4-E71B-4D3A-AF45-E989C23A7BB1}" type="datetimeFigureOut">
+            <a:fld id="{4C51D8B2-ED70-41EF-8095-15E2AE5F160E}" type="datetime1">
               <a:rPr lang="en-US" smtClean="0"/>
-              <a:t>8/27/2021</a:t>
+              <a:t>10/11/2021</a:t>
             </a:fld>
             <a:endParaRPr lang="en-US" dirty="0"/>
           </a:p>
@@ -2812,6 +2666,10 @@
           <a:bodyPr/>
           <a:lstStyle/>
           <a:p>
+            <a:r>
+              <a:rPr lang="en-US"/>
+              <a:t>Mike Nguyen</a:t>
+            </a:r>
             <a:endParaRPr lang="en-US" dirty="0"/>
           </a:p>
         </p:txBody>
@@ -2896,9 +2754,9 @@
           <a:bodyPr/>
           <a:lstStyle/>
           <a:p>
-            <a:fld id="{DECF21A4-E71B-4D3A-AF45-E989C23A7BB1}" type="datetimeFigureOut">
+            <a:fld id="{CBF21E01-DAB8-4692-879D-9B95AEAA41E6}" type="datetime1">
               <a:rPr lang="en-US" smtClean="0"/>
-              <a:t>8/27/2021</a:t>
+              <a:t>10/11/2021</a:t>
             </a:fld>
             <a:endParaRPr lang="en-US" dirty="0"/>
           </a:p>
@@ -2925,6 +2783,10 @@
           <a:bodyPr/>
           <a:lstStyle/>
           <a:p>
+            <a:r>
+              <a:rPr lang="en-US"/>
+              <a:t>Mike Nguyen</a:t>
+            </a:r>
             <a:endParaRPr lang="en-US" dirty="0"/>
           </a:p>
         </p:txBody>
@@ -3207,9 +3069,9 @@
           <a:bodyPr/>
           <a:lstStyle/>
           <a:p>
-            <a:fld id="{DECF21A4-E71B-4D3A-AF45-E989C23A7BB1}" type="datetimeFigureOut">
+            <a:fld id="{0A510A22-882F-492D-9EE7-C26A7DFBC6E6}" type="datetime1">
               <a:rPr lang="en-US" smtClean="0"/>
-              <a:t>8/27/2021</a:t>
+              <a:t>10/11/2021</a:t>
             </a:fld>
             <a:endParaRPr lang="en-US" dirty="0"/>
           </a:p>
@@ -3236,6 +3098,10 @@
           <a:bodyPr/>
           <a:lstStyle/>
           <a:p>
+            <a:r>
+              <a:rPr lang="en-US"/>
+              <a:t>Mike Nguyen</a:t>
+            </a:r>
             <a:endParaRPr lang="en-US" dirty="0"/>
           </a:p>
         </p:txBody>
@@ -3499,9 +3365,9 @@
           <a:bodyPr/>
           <a:lstStyle/>
           <a:p>
-            <a:fld id="{DECF21A4-E71B-4D3A-AF45-E989C23A7BB1}" type="datetimeFigureOut">
+            <a:fld id="{A1004D0D-B6F0-47E4-BBF3-1951C00F9D16}" type="datetime1">
               <a:rPr lang="en-US" smtClean="0"/>
-              <a:t>8/27/2021</a:t>
+              <a:t>10/11/2021</a:t>
             </a:fld>
             <a:endParaRPr lang="en-US" dirty="0"/>
           </a:p>
@@ -3528,6 +3394,10 @@
           <a:bodyPr/>
           <a:lstStyle/>
           <a:p>
+            <a:r>
+              <a:rPr lang="en-US"/>
+              <a:t>Mike Nguyen</a:t>
+            </a:r>
             <a:endParaRPr lang="en-US" dirty="0"/>
           </a:p>
         </p:txBody>
@@ -3740,9 +3610,9 @@
             </a:lvl1pPr>
           </a:lstStyle>
           <a:p>
-            <a:fld id="{DECF21A4-E71B-4D3A-AF45-E989C23A7BB1}" type="datetimeFigureOut">
+            <a:fld id="{48D89660-51FF-4216-9F24-A2AFA2D4F958}" type="datetime1">
               <a:rPr lang="en-US" smtClean="0"/>
-              <a:t>8/27/2021</a:t>
+              <a:t>10/11/2021</a:t>
             </a:fld>
             <a:endParaRPr lang="en-US" dirty="0"/>
           </a:p>
@@ -3787,6 +3657,10 @@
             </a:lvl1pPr>
           </a:lstStyle>
           <a:p>
+            <a:r>
+              <a:rPr lang="en-US"/>
+              <a:t>Mike Nguyen</a:t>
+            </a:r>
             <a:endParaRPr lang="en-US" dirty="0"/>
           </a:p>
         </p:txBody>
@@ -3859,6 +3733,7 @@
     <p:sldLayoutId id="2147483658" r:id="rId10"/>
     <p:sldLayoutId id="2147483659" r:id="rId11"/>
   </p:sldLayoutIdLst>
+  <p:hf hdr="0" dt="0"/>
   <p:txStyles>
     <p:titleStyle>
       <a:lvl1pPr algn="l" defTabSz="914400" rtl="0" eaLnBrk="1" latinLnBrk="0" hangingPunct="1">
@@ -4204,43 +4079,8 @@
                 <a:latin typeface="Franklin Gothic Book" panose="020B0503020102020204" pitchFamily="34" charset="0"/>
                 <a:cs typeface="Segoe UI" panose="020B0502040204020203" pitchFamily="34" charset="0"/>
               </a:rPr>
-              <a:t>Research Presentation</a:t>
-            </a:r>
-          </a:p>
-        </p:txBody>
-      </p:sp>
-      <p:sp>
-        <p:nvSpPr>
-          <p:cNvPr id="3" name="Subtitle 2">
-            <a:extLst>
-              <a:ext uri="{FF2B5EF4-FFF2-40B4-BE49-F238E27FC236}">
-                <a16:creationId xmlns:a16="http://schemas.microsoft.com/office/drawing/2014/main" id="{814253EE-4FA2-4843-BE27-C7D5B08FFB81}"/>
-              </a:ext>
-            </a:extLst>
-          </p:cNvPr>
-          <p:cNvSpPr>
-            <a:spLocks noGrp="1"/>
-          </p:cNvSpPr>
-          <p:nvPr>
-            <p:ph type="subTitle" idx="1"/>
-          </p:nvPr>
-        </p:nvSpPr>
-        <p:spPr>
-          <a:xfrm>
-            <a:off x="4654296" y="3945418"/>
-            <a:ext cx="5609219" cy="576738"/>
-          </a:xfrm>
-        </p:spPr>
-        <p:txBody>
-          <a:bodyPr anchor="b">
-            <a:normAutofit/>
-          </a:bodyPr>
-          <a:lstStyle/>
-          <a:p>
-            <a:pPr algn="l"/>
-            <a:endParaRPr lang="en-US" sz="2000" dirty="0">
-              <a:latin typeface="Franklin Gothic Book" panose="020B0503020102020204" pitchFamily="34" charset="0"/>
-            </a:endParaRPr>
+              <a:t>Review for Second Exam</a:t>
+            </a:r>
           </a:p>
         </p:txBody>
       </p:sp>
@@ -5614,6 +5454,64 @@
           </a:prstGeom>
         </p:spPr>
       </p:pic>
+      <p:sp>
+        <p:nvSpPr>
+          <p:cNvPr id="4" name="Footer Placeholder 3">
+            <a:extLst>
+              <a:ext uri="{FF2B5EF4-FFF2-40B4-BE49-F238E27FC236}">
+                <a16:creationId xmlns:a16="http://schemas.microsoft.com/office/drawing/2014/main" id="{9DD26523-7CD4-4772-8D50-970EC2FC6281}"/>
+              </a:ext>
+            </a:extLst>
+          </p:cNvPr>
+          <p:cNvSpPr>
+            <a:spLocks noGrp="1"/>
+          </p:cNvSpPr>
+          <p:nvPr>
+            <p:ph type="ftr" sz="quarter" idx="11"/>
+          </p:nvPr>
+        </p:nvSpPr>
+        <p:spPr/>
+        <p:txBody>
+          <a:bodyPr/>
+          <a:lstStyle/>
+          <a:p>
+            <a:r>
+              <a:rPr lang="en-US"/>
+              <a:t>Mike Nguyen</a:t>
+            </a:r>
+            <a:endParaRPr lang="en-US" dirty="0"/>
+          </a:p>
+        </p:txBody>
+      </p:sp>
+      <p:sp>
+        <p:nvSpPr>
+          <p:cNvPr id="6" name="Slide Number Placeholder 5">
+            <a:extLst>
+              <a:ext uri="{FF2B5EF4-FFF2-40B4-BE49-F238E27FC236}">
+                <a16:creationId xmlns:a16="http://schemas.microsoft.com/office/drawing/2014/main" id="{0AB24A56-D4C0-4D93-B382-2C3B38D56624}"/>
+              </a:ext>
+            </a:extLst>
+          </p:cNvPr>
+          <p:cNvSpPr>
+            <a:spLocks noGrp="1"/>
+          </p:cNvSpPr>
+          <p:nvPr>
+            <p:ph type="sldNum" sz="quarter" idx="12"/>
+          </p:nvPr>
+        </p:nvSpPr>
+        <p:spPr/>
+        <p:txBody>
+          <a:bodyPr/>
+          <a:lstStyle/>
+          <a:p>
+            <a:fld id="{A6AF1B4E-90EC-4A51-B6E5-B702C054ECB0}" type="slidenum">
+              <a:rPr lang="en-US" smtClean="0"/>
+              <a:t>1</a:t>
+            </a:fld>
+            <a:endParaRPr lang="en-US" dirty="0"/>
+          </a:p>
+        </p:txBody>
+      </p:sp>
     </p:spTree>
     <p:extLst>
       <p:ext uri="{BB962C8B-B14F-4D97-AF65-F5344CB8AC3E}">
@@ -5628,122 +5526,6 @@
 </file>
 
 <file path=ppt/slides/slide2.xml><?xml version="1.0" encoding="utf-8"?>
-<p:sld xmlns:a="http://schemas.openxmlformats.org/drawingml/2006/main" xmlns:r="http://schemas.openxmlformats.org/officeDocument/2006/relationships" xmlns:p="http://schemas.openxmlformats.org/presentationml/2006/main">
-  <p:cSld>
-    <p:spTree>
-      <p:nvGrpSpPr>
-        <p:cNvPr id="1" name=""/>
-        <p:cNvGrpSpPr/>
-        <p:nvPr/>
-      </p:nvGrpSpPr>
-      <p:grpSpPr>
-        <a:xfrm>
-          <a:off x="0" y="0"/>
-          <a:ext cx="0" cy="0"/>
-          <a:chOff x="0" y="0"/>
-          <a:chExt cx="0" cy="0"/>
-        </a:xfrm>
-      </p:grpSpPr>
-      <p:sp>
-        <p:nvSpPr>
-          <p:cNvPr id="2" name="Title 1">
-            <a:extLst>
-              <a:ext uri="{FF2B5EF4-FFF2-40B4-BE49-F238E27FC236}">
-                <a16:creationId xmlns:a16="http://schemas.microsoft.com/office/drawing/2014/main" id="{E5F3362F-08CE-4842-B79D-F313B8AD291E}"/>
-              </a:ext>
-            </a:extLst>
-          </p:cNvPr>
-          <p:cNvSpPr>
-            <a:spLocks noGrp="1"/>
-          </p:cNvSpPr>
-          <p:nvPr>
-            <p:ph type="title"/>
-          </p:nvPr>
-        </p:nvSpPr>
-        <p:spPr/>
-        <p:txBody>
-          <a:bodyPr/>
-          <a:lstStyle/>
-          <a:p>
-            <a:r>
-              <a:rPr lang="en-US" dirty="0"/>
-              <a:t>First Exam</a:t>
-            </a:r>
-          </a:p>
-        </p:txBody>
-      </p:sp>
-      <p:sp>
-        <p:nvSpPr>
-          <p:cNvPr id="3" name="Content Placeholder 2">
-            <a:extLst>
-              <a:ext uri="{FF2B5EF4-FFF2-40B4-BE49-F238E27FC236}">
-                <a16:creationId xmlns:a16="http://schemas.microsoft.com/office/drawing/2014/main" id="{E7AB27BD-F71D-43CE-A13B-98993FACBF93}"/>
-              </a:ext>
-            </a:extLst>
-          </p:cNvPr>
-          <p:cNvSpPr>
-            <a:spLocks noGrp="1"/>
-          </p:cNvSpPr>
-          <p:nvPr>
-            <p:ph idx="1"/>
-          </p:nvPr>
-        </p:nvSpPr>
-        <p:spPr/>
-        <p:txBody>
-          <a:bodyPr/>
-          <a:lstStyle/>
-          <a:p>
-            <a:r>
-              <a:rPr lang="en-US" dirty="0"/>
-              <a:t>Chapters 16, 17, 18, 20, with a heavy emphasis on chapters 17, and 18</a:t>
-            </a:r>
-          </a:p>
-          <a:p>
-            <a:r>
-              <a:rPr lang="en-US" dirty="0"/>
-              <a:t>25 questions (200 points) with 2 extra credit questions (16 points) in 75 mins</a:t>
-            </a:r>
-          </a:p>
-          <a:p>
-            <a:r>
-              <a:rPr lang="en-US" dirty="0"/>
-              <a:t>Notes are allowed</a:t>
-            </a:r>
-          </a:p>
-          <a:p>
-            <a:r>
-              <a:rPr lang="en-US" dirty="0"/>
-              <a:t>Lockdown Browser is required </a:t>
-            </a:r>
-          </a:p>
-          <a:p>
-            <a:r>
-              <a:rPr lang="en-US" b="1" dirty="0"/>
-              <a:t>1 attempt only </a:t>
-            </a:r>
-          </a:p>
-          <a:p>
-            <a:r>
-              <a:rPr lang="en-US" dirty="0"/>
-              <a:t>Online</a:t>
-            </a:r>
-          </a:p>
-        </p:txBody>
-      </p:sp>
-    </p:spTree>
-    <p:extLst>
-      <p:ext uri="{BB962C8B-B14F-4D97-AF65-F5344CB8AC3E}">
-        <p14:creationId xmlns:p14="http://schemas.microsoft.com/office/powerpoint/2010/main" val="3738535367"/>
-      </p:ext>
-    </p:extLst>
-  </p:cSld>
-  <p:clrMapOvr>
-    <a:masterClrMapping/>
-  </p:clrMapOvr>
-</p:sld>
-</file>
-
-<file path=ppt/slides/slide3.xml><?xml version="1.0" encoding="utf-8"?>
 <p:sld xmlns:a="http://schemas.openxmlformats.org/drawingml/2006/main" xmlns:r="http://schemas.openxmlformats.org/officeDocument/2006/relationships" xmlns:p="http://schemas.openxmlformats.org/presentationml/2006/main">
   <p:cSld>
     <p:bg>
@@ -5768,60 +5550,21 @@
           <a:chExt cx="0" cy="0"/>
         </a:xfrm>
       </p:grpSpPr>
-      <p:pic>
-        <p:nvPicPr>
-          <p:cNvPr id="11" name="Graphic 10" descr="Books on Shelf">
-            <a:extLst>
-              <a:ext uri="{FF2B5EF4-FFF2-40B4-BE49-F238E27FC236}">
-                <a16:creationId xmlns:a16="http://schemas.microsoft.com/office/drawing/2014/main" id="{18A239E6-97C0-4A74-8E7A-C9FD39A8C92C}"/>
-              </a:ext>
-            </a:extLst>
-          </p:cNvPr>
-          <p:cNvPicPr>
-            <a:picLocks noChangeAspect="1"/>
-          </p:cNvPicPr>
-          <p:nvPr/>
-        </p:nvPicPr>
-        <p:blipFill>
-          <a:blip r:embed="rId3">
-            <a:extLst>
-              <a:ext uri="{28A0092B-C50C-407E-A947-70E740481C1C}">
-                <a14:useLocalDpi xmlns:a14="http://schemas.microsoft.com/office/drawing/2010/main" val="0"/>
-              </a:ext>
-              <a:ext uri="{96DAC541-7B7A-43D3-8B79-37D633B846F1}">
-                <asvg:svgBlip xmlns:asvg="http://schemas.microsoft.com/office/drawing/2016/SVG/main" r:embed="rId4"/>
-              </a:ext>
-            </a:extLst>
-          </a:blip>
-          <a:stretch>
-            <a:fillRect/>
-          </a:stretch>
-        </p:blipFill>
-        <p:spPr>
-          <a:xfrm>
-            <a:off x="320041" y="982364"/>
-            <a:ext cx="2659472" cy="2659472"/>
-          </a:xfrm>
-          <a:prstGeom prst="rect">
-            <a:avLst/>
-          </a:prstGeom>
-        </p:spPr>
-      </p:pic>
-      <p:cxnSp>
-        <p:nvCxnSpPr>
-          <p:cNvPr id="16" name="Straight Connector 15">
-            <a:extLst>
-              <a:ext uri="{FF2B5EF4-FFF2-40B4-BE49-F238E27FC236}">
-                <a16:creationId xmlns:a16="http://schemas.microsoft.com/office/drawing/2014/main" id="{DFDA47BC-3069-47F5-8257-24B3B1F76A08}"/>
+      <p:sp useBgFill="1">
+        <p:nvSpPr>
+          <p:cNvPr id="17" name="Rectangle 16">
+            <a:extLst>
+              <a:ext uri="{FF2B5EF4-FFF2-40B4-BE49-F238E27FC236}">
+                <a16:creationId xmlns:a16="http://schemas.microsoft.com/office/drawing/2014/main" id="{C2554CA6-288E-4202-BC52-2E5A8F0C0AED}"/>
               </a:ext>
               <a:ext uri="{C183D7F6-B498-43B3-948B-1728B52AA6E4}">
                 <adec:decorative xmlns:adec="http://schemas.microsoft.com/office/drawing/2017/decorative" val="1"/>
               </a:ext>
             </a:extLst>
           </p:cNvPr>
-          <p:cNvCxnSpPr>
-            <a:cxnSpLocks noGrp="1" noRot="1" noChangeAspect="1" noMove="1" noResize="1" noEditPoints="1" noAdjustHandles="1" noChangeArrowheads="1" noChangeShapeType="1"/>
-          </p:cNvCxnSpPr>
+          <p:cNvSpPr>
+            <a:spLocks noGrp="1" noRot="1" noChangeAspect="1" noMove="1" noResize="1" noEditPoints="1" noAdjustHandles="1" noChangeArrowheads="1" noChangeShapeType="1" noTextEdit="1"/>
+          </p:cNvSpPr>
           <p:nvPr>
             <p:extLst>
               <p:ext uri="{386F3935-93C4-4BCD-93E2-E3B085C9AB24}">
@@ -5829,295 +5572,17 @@
               </p:ext>
             </p:extLst>
           </p:nvPr>
-        </p:nvCxnSpPr>
+        </p:nvSpPr>
         <p:spPr>
           <a:xfrm>
-            <a:off x="3129276" y="477749"/>
-            <a:ext cx="0" cy="3657600"/>
-          </a:xfrm>
-          <a:prstGeom prst="line">
-            <a:avLst/>
-          </a:prstGeom>
-          <a:ln w="101600" cmpd="dbl">
-            <a:solidFill>
-              <a:srgbClr val="595959"/>
-            </a:solidFill>
-          </a:ln>
-        </p:spPr>
-        <p:style>
-          <a:lnRef idx="1">
-            <a:schemeClr val="accent1"/>
-          </a:lnRef>
-          <a:fillRef idx="0">
-            <a:schemeClr val="accent1"/>
-          </a:fillRef>
-          <a:effectRef idx="0">
-            <a:schemeClr val="accent1"/>
-          </a:effectRef>
-          <a:fontRef idx="minor">
-            <a:schemeClr val="tx1"/>
-          </a:fontRef>
-        </p:style>
-      </p:cxnSp>
-      <p:pic>
-        <p:nvPicPr>
-          <p:cNvPr id="5" name="Graphic 4" descr="Chat">
-            <a:extLst>
-              <a:ext uri="{FF2B5EF4-FFF2-40B4-BE49-F238E27FC236}">
-                <a16:creationId xmlns:a16="http://schemas.microsoft.com/office/drawing/2014/main" id="{EB71843F-0A0B-4317-B205-4B0A0B97C0FD}"/>
-              </a:ext>
-            </a:extLst>
-          </p:cNvPr>
-          <p:cNvPicPr>
-            <a:picLocks noChangeAspect="1"/>
-          </p:cNvPicPr>
-          <p:nvPr/>
-        </p:nvPicPr>
-        <p:blipFill>
-          <a:blip r:embed="rId5">
-            <a:extLst>
-              <a:ext uri="{28A0092B-C50C-407E-A947-70E740481C1C}">
-                <a14:useLocalDpi xmlns:a14="http://schemas.microsoft.com/office/drawing/2010/main" val="0"/>
-              </a:ext>
-              <a:ext uri="{96DAC541-7B7A-43D3-8B79-37D633B846F1}">
-                <asvg:svgBlip xmlns:asvg="http://schemas.microsoft.com/office/drawing/2016/SVG/main" r:embed="rId6"/>
-              </a:ext>
-            </a:extLst>
-          </a:blip>
-          <a:stretch>
-            <a:fillRect/>
-          </a:stretch>
-        </p:blipFill>
-        <p:spPr>
-          <a:xfrm>
-            <a:off x="3290143" y="983211"/>
-            <a:ext cx="2646677" cy="2646677"/>
+            <a:off x="3048" y="0"/>
+            <a:ext cx="12188952" cy="6858000"/>
           </a:xfrm>
           <a:prstGeom prst="rect">
             <a:avLst/>
           </a:prstGeom>
-        </p:spPr>
-      </p:pic>
-      <p:cxnSp>
-        <p:nvCxnSpPr>
-          <p:cNvPr id="20" name="Straight Connector 19">
-            <a:extLst>
-              <a:ext uri="{FF2B5EF4-FFF2-40B4-BE49-F238E27FC236}">
-                <a16:creationId xmlns:a16="http://schemas.microsoft.com/office/drawing/2014/main" id="{942B920A-73AD-402A-8EEF-B88E1A9398B8}"/>
-              </a:ext>
-              <a:ext uri="{C183D7F6-B498-43B3-948B-1728B52AA6E4}">
-                <adec:decorative xmlns:adec="http://schemas.microsoft.com/office/drawing/2017/decorative" val="1"/>
-              </a:ext>
-            </a:extLst>
-          </p:cNvPr>
-          <p:cNvCxnSpPr>
-            <a:cxnSpLocks noGrp="1" noRot="1" noChangeAspect="1" noMove="1" noResize="1" noEditPoints="1" noAdjustHandles="1" noChangeArrowheads="1" noChangeShapeType="1"/>
-          </p:cNvCxnSpPr>
-          <p:nvPr>
-            <p:extLst>
-              <p:ext uri="{386F3935-93C4-4BCD-93E2-E3B085C9AB24}">
-                <p16:designElem xmlns:p16="http://schemas.microsoft.com/office/powerpoint/2015/main" val="1"/>
-              </p:ext>
-            </p:extLst>
-          </p:nvPr>
-        </p:nvCxnSpPr>
-        <p:spPr>
-          <a:xfrm>
-            <a:off x="6097686" y="477749"/>
-            <a:ext cx="0" cy="3657600"/>
-          </a:xfrm>
-          <a:prstGeom prst="line">
-            <a:avLst/>
-          </a:prstGeom>
-          <a:ln w="101600" cmpd="dbl">
-            <a:solidFill>
-              <a:srgbClr val="595959"/>
-            </a:solidFill>
-          </a:ln>
-        </p:spPr>
-        <p:style>
-          <a:lnRef idx="1">
-            <a:schemeClr val="accent1"/>
-          </a:lnRef>
-          <a:fillRef idx="0">
-            <a:schemeClr val="accent1"/>
-          </a:fillRef>
-          <a:effectRef idx="0">
-            <a:schemeClr val="accent1"/>
-          </a:effectRef>
-          <a:fontRef idx="minor">
-            <a:schemeClr val="tx1"/>
-          </a:fontRef>
-        </p:style>
-      </p:cxnSp>
-      <p:pic>
-        <p:nvPicPr>
-          <p:cNvPr id="7" name="Graphic 6" descr="Blackboard">
-            <a:extLst>
-              <a:ext uri="{FF2B5EF4-FFF2-40B4-BE49-F238E27FC236}">
-                <a16:creationId xmlns:a16="http://schemas.microsoft.com/office/drawing/2014/main" id="{2696A1A4-8E43-47F6-A6DC-A9ADAB053D8B}"/>
-              </a:ext>
-            </a:extLst>
-          </p:cNvPr>
-          <p:cNvPicPr>
-            <a:picLocks noChangeAspect="1"/>
-          </p:cNvPicPr>
-          <p:nvPr/>
-        </p:nvPicPr>
-        <p:blipFill>
-          <a:blip r:embed="rId7">
-            <a:extLst>
-              <a:ext uri="{28A0092B-C50C-407E-A947-70E740481C1C}">
-                <a14:useLocalDpi xmlns:a14="http://schemas.microsoft.com/office/drawing/2010/main" val="0"/>
-              </a:ext>
-              <a:ext uri="{96DAC541-7B7A-43D3-8B79-37D633B846F1}">
-                <asvg:svgBlip xmlns:asvg="http://schemas.microsoft.com/office/drawing/2016/SVG/main" r:embed="rId8"/>
-              </a:ext>
-            </a:extLst>
-          </a:blip>
-          <a:stretch>
-            <a:fillRect/>
-          </a:stretch>
-        </p:blipFill>
-        <p:spPr>
-          <a:xfrm>
-            <a:off x="6256859" y="982364"/>
-            <a:ext cx="2648371" cy="2648371"/>
-          </a:xfrm>
-          <a:prstGeom prst="rect">
-            <a:avLst/>
-          </a:prstGeom>
-        </p:spPr>
-      </p:pic>
-      <p:cxnSp>
-        <p:nvCxnSpPr>
-          <p:cNvPr id="22" name="Straight Connector 21">
-            <a:extLst>
-              <a:ext uri="{FF2B5EF4-FFF2-40B4-BE49-F238E27FC236}">
-                <a16:creationId xmlns:a16="http://schemas.microsoft.com/office/drawing/2014/main" id="{00C9EB70-BC82-414A-BF8D-AD7FC6727616}"/>
-              </a:ext>
-              <a:ext uri="{C183D7F6-B498-43B3-948B-1728B52AA6E4}">
-                <adec:decorative xmlns:adec="http://schemas.microsoft.com/office/drawing/2017/decorative" val="1"/>
-              </a:ext>
-            </a:extLst>
-          </p:cNvPr>
-          <p:cNvCxnSpPr>
-            <a:cxnSpLocks noGrp="1" noRot="1" noChangeAspect="1" noMove="1" noResize="1" noEditPoints="1" noAdjustHandles="1" noChangeArrowheads="1" noChangeShapeType="1"/>
-          </p:cNvCxnSpPr>
-          <p:nvPr>
-            <p:extLst>
-              <p:ext uri="{386F3935-93C4-4BCD-93E2-E3B085C9AB24}">
-                <p16:designElem xmlns:p16="http://schemas.microsoft.com/office/powerpoint/2015/main" val="1"/>
-              </p:ext>
-            </p:extLst>
-          </p:nvPr>
-        </p:nvCxnSpPr>
-        <p:spPr>
-          <a:xfrm>
-            <a:off x="9066096" y="477749"/>
-            <a:ext cx="0" cy="3657600"/>
-          </a:xfrm>
-          <a:prstGeom prst="line">
-            <a:avLst/>
-          </a:prstGeom>
-          <a:ln w="101600" cmpd="dbl">
-            <a:solidFill>
-              <a:srgbClr val="595959"/>
-            </a:solidFill>
-          </a:ln>
-        </p:spPr>
-        <p:style>
-          <a:lnRef idx="1">
-            <a:schemeClr val="accent1"/>
-          </a:lnRef>
-          <a:fillRef idx="0">
-            <a:schemeClr val="accent1"/>
-          </a:fillRef>
-          <a:effectRef idx="0">
-            <a:schemeClr val="accent1"/>
-          </a:effectRef>
-          <a:fontRef idx="minor">
-            <a:schemeClr val="tx1"/>
-          </a:fontRef>
-        </p:style>
-      </p:cxnSp>
-      <p:pic>
-        <p:nvPicPr>
-          <p:cNvPr id="9" name="Graphic 8" descr="Open Book">
-            <a:extLst>
-              <a:ext uri="{FF2B5EF4-FFF2-40B4-BE49-F238E27FC236}">
-                <a16:creationId xmlns:a16="http://schemas.microsoft.com/office/drawing/2014/main" id="{93E427C7-0218-4592-82DA-2431E4BF8756}"/>
-              </a:ext>
-            </a:extLst>
-          </p:cNvPr>
-          <p:cNvPicPr>
-            <a:picLocks noChangeAspect="1"/>
-          </p:cNvPicPr>
-          <p:nvPr/>
-        </p:nvPicPr>
-        <p:blipFill>
-          <a:blip r:embed="rId9">
-            <a:extLst>
-              <a:ext uri="{28A0092B-C50C-407E-A947-70E740481C1C}">
-                <a14:useLocalDpi xmlns:a14="http://schemas.microsoft.com/office/drawing/2010/main" val="0"/>
-              </a:ext>
-              <a:ext uri="{96DAC541-7B7A-43D3-8B79-37D633B846F1}">
-                <asvg:svgBlip xmlns:asvg="http://schemas.microsoft.com/office/drawing/2016/SVG/main" r:embed="rId10"/>
-              </a:ext>
-            </a:extLst>
-          </a:blip>
-          <a:stretch>
-            <a:fillRect/>
-          </a:stretch>
-        </p:blipFill>
-        <p:spPr>
-          <a:xfrm>
-            <a:off x="9225269" y="1004677"/>
-            <a:ext cx="2648372" cy="2648372"/>
-          </a:xfrm>
-          <a:prstGeom prst="rect">
-            <a:avLst/>
-          </a:prstGeom>
-        </p:spPr>
-      </p:pic>
-      <p:sp>
-        <p:nvSpPr>
-          <p:cNvPr id="18" name="Rectangle 17">
-            <a:extLst>
-              <a:ext uri="{FF2B5EF4-FFF2-40B4-BE49-F238E27FC236}">
-                <a16:creationId xmlns:a16="http://schemas.microsoft.com/office/drawing/2014/main" id="{7AE95D8F-9825-4222-8846-E3461598CC62}"/>
-              </a:ext>
-              <a:ext uri="{C183D7F6-B498-43B3-948B-1728B52AA6E4}">
-                <adec:decorative xmlns:adec="http://schemas.microsoft.com/office/drawing/2017/decorative" val="1"/>
-              </a:ext>
-            </a:extLst>
-          </p:cNvPr>
-          <p:cNvSpPr>
-            <a:spLocks noGrp="1" noRot="1" noChangeAspect="1" noMove="1" noResize="1" noEditPoints="1" noAdjustHandles="1" noChangeArrowheads="1" noChangeShapeType="1" noTextEdit="1"/>
-          </p:cNvSpPr>
-          <p:nvPr>
-            <p:extLst>
-              <p:ext uri="{386F3935-93C4-4BCD-93E2-E3B085C9AB24}">
-                <p16:designElem xmlns:p16="http://schemas.microsoft.com/office/powerpoint/2015/main" val="1"/>
-              </p:ext>
-            </p:extLst>
-          </p:nvPr>
-        </p:nvSpPr>
-        <p:spPr bwMode="ltGray">
-          <a:xfrm>
-            <a:off x="378068" y="4633546"/>
-            <a:ext cx="11438793" cy="1844256"/>
-          </a:xfrm>
-          <a:prstGeom prst="rect">
-            <a:avLst/>
-          </a:prstGeom>
-          <a:solidFill>
-            <a:srgbClr val="404040"/>
-          </a:solidFill>
-          <a:ln w="127000" cap="sq" cmpd="thinThick">
-            <a:solidFill>
-              <a:srgbClr val="404040"/>
-            </a:solidFill>
+          <a:ln>
+            <a:noFill/>
           </a:ln>
         </p:spPr>
         <p:style>
@@ -6141,66 +5606,25 @@
           <a:lstStyle/>
           <a:p>
             <a:pPr algn="ctr"/>
-            <a:endParaRPr lang="en-US" dirty="0"/>
-          </a:p>
-        </p:txBody>
-      </p:sp>
-      <p:sp>
-        <p:nvSpPr>
-          <p:cNvPr id="2" name="Title 1">
-            <a:extLst>
-              <a:ext uri="{FF2B5EF4-FFF2-40B4-BE49-F238E27FC236}">
-                <a16:creationId xmlns:a16="http://schemas.microsoft.com/office/drawing/2014/main" id="{E561AC0E-7195-4ACF-AA0A-5E2923A987F7}"/>
-              </a:ext>
-            </a:extLst>
-          </p:cNvPr>
-          <p:cNvSpPr>
-            <a:spLocks noGrp="1"/>
-          </p:cNvSpPr>
-          <p:nvPr>
-            <p:ph type="ctrTitle"/>
-          </p:nvPr>
-        </p:nvSpPr>
-        <p:spPr>
-          <a:xfrm>
-            <a:off x="527538" y="4756638"/>
-            <a:ext cx="11139854" cy="930447"/>
-          </a:xfrm>
-        </p:spPr>
-        <p:txBody>
-          <a:bodyPr>
-            <a:normAutofit/>
-          </a:bodyPr>
-          <a:lstStyle/>
-          <a:p>
-            <a:r>
-              <a:rPr lang="en-US" sz="5400" dirty="0">
-                <a:solidFill>
-                  <a:srgbClr val="FFFFFF"/>
-                </a:solidFill>
-                <a:latin typeface="Franklin Gothic Book" panose="020B0503020102020204" pitchFamily="34" charset="0"/>
-                <a:cs typeface="Segoe UI" panose="020B0502040204020203" pitchFamily="34" charset="0"/>
-              </a:rPr>
-              <a:t>Research Presentation End</a:t>
-            </a:r>
-          </a:p>
-        </p:txBody>
-      </p:sp>
-      <p:cxnSp>
-        <p:nvCxnSpPr>
-          <p:cNvPr id="24" name="Straight Connector 23">
-            <a:extLst>
-              <a:ext uri="{FF2B5EF4-FFF2-40B4-BE49-F238E27FC236}">
-                <a16:creationId xmlns:a16="http://schemas.microsoft.com/office/drawing/2014/main" id="{3217665F-0036-444A-8D4A-33AF36A36A42}"/>
+            <a:endParaRPr lang="en-US"/>
+          </a:p>
+        </p:txBody>
+      </p:sp>
+      <p:sp>
+        <p:nvSpPr>
+          <p:cNvPr id="19" name="Oval 18">
+            <a:extLst>
+              <a:ext uri="{FF2B5EF4-FFF2-40B4-BE49-F238E27FC236}">
+                <a16:creationId xmlns:a16="http://schemas.microsoft.com/office/drawing/2014/main" id="{B10BB131-AC8E-4A8E-A5D1-36260F720C3B}"/>
               </a:ext>
               <a:ext uri="{C183D7F6-B498-43B3-948B-1728B52AA6E4}">
                 <adec:decorative xmlns:adec="http://schemas.microsoft.com/office/drawing/2017/decorative" val="1"/>
               </a:ext>
             </a:extLst>
           </p:cNvPr>
-          <p:cNvCxnSpPr>
-            <a:cxnSpLocks noGrp="1" noRot="1" noChangeAspect="1" noMove="1" noResize="1" noEditPoints="1" noAdjustHandles="1" noChangeArrowheads="1" noChangeShapeType="1"/>
-          </p:cNvCxnSpPr>
+          <p:cNvSpPr>
+            <a:spLocks noGrp="1" noRot="1" noChangeAspect="1" noMove="1" noResize="1" noEditPoints="1" noAdjustHandles="1" noChangeArrowheads="1" noChangeShapeType="1" noTextEdit="1"/>
+          </p:cNvSpPr>
           <p:nvPr>
             <p:extLst>
               <p:ext uri="{386F3935-93C4-4BCD-93E2-E3B085C9AB24}">
@@ -6208,19 +5632,126 @@
               </p:ext>
             </p:extLst>
           </p:nvPr>
-        </p:nvCxnSpPr>
+        </p:nvSpPr>
         <p:spPr>
           <a:xfrm>
-            <a:off x="2209800" y="5738691"/>
-            <a:ext cx="7772400" cy="0"/>
+            <a:off x="489189" y="1119031"/>
+            <a:ext cx="4619938" cy="4619938"/>
           </a:xfrm>
-          <a:prstGeom prst="line">
+          <a:prstGeom prst="ellipse">
             <a:avLst/>
           </a:prstGeom>
-          <a:ln w="22225">
+          <a:solidFill>
+            <a:schemeClr val="accent2"/>
+          </a:solidFill>
+          <a:ln>
+            <a:noFill/>
+          </a:ln>
+        </p:spPr>
+        <p:style>
+          <a:lnRef idx="2">
+            <a:schemeClr val="accent1">
+              <a:shade val="50000"/>
+            </a:schemeClr>
+          </a:lnRef>
+          <a:fillRef idx="1">
+            <a:schemeClr val="accent1"/>
+          </a:fillRef>
+          <a:effectRef idx="0">
+            <a:schemeClr val="accent1"/>
+          </a:effectRef>
+          <a:fontRef idx="minor">
+            <a:schemeClr val="lt1"/>
+          </a:fontRef>
+        </p:style>
+        <p:txBody>
+          <a:bodyPr rtlCol="0" anchor="ctr"/>
+          <a:lstStyle/>
+          <a:p>
+            <a:pPr algn="ctr"/>
+            <a:endParaRPr lang="en-US"/>
+          </a:p>
+        </p:txBody>
+      </p:sp>
+      <p:sp>
+        <p:nvSpPr>
+          <p:cNvPr id="2" name="Title 1">
+            <a:extLst>
+              <a:ext uri="{FF2B5EF4-FFF2-40B4-BE49-F238E27FC236}">
+                <a16:creationId xmlns:a16="http://schemas.microsoft.com/office/drawing/2014/main" id="{E5F3362F-08CE-4842-B79D-F313B8AD291E}"/>
+              </a:ext>
+            </a:extLst>
+          </p:cNvPr>
+          <p:cNvSpPr>
+            <a:spLocks noGrp="1"/>
+          </p:cNvSpPr>
+          <p:nvPr>
+            <p:ph type="title"/>
+          </p:nvPr>
+        </p:nvSpPr>
+        <p:spPr>
+          <a:xfrm>
+            <a:off x="1171074" y="1396686"/>
+            <a:ext cx="3240506" cy="4064628"/>
+          </a:xfrm>
+        </p:spPr>
+        <p:txBody>
+          <a:bodyPr>
+            <a:normAutofit/>
+          </a:bodyPr>
+          <a:lstStyle/>
+          <a:p>
+            <a:r>
+              <a:rPr lang="en-US" dirty="0">
+                <a:solidFill>
+                  <a:srgbClr val="FFFFFF"/>
+                </a:solidFill>
+              </a:rPr>
+              <a:t>Second Exam</a:t>
+            </a:r>
+          </a:p>
+        </p:txBody>
+      </p:sp>
+      <p:sp>
+        <p:nvSpPr>
+          <p:cNvPr id="21" name="Arc 20">
+            <a:extLst>
+              <a:ext uri="{FF2B5EF4-FFF2-40B4-BE49-F238E27FC236}">
+                <a16:creationId xmlns:a16="http://schemas.microsoft.com/office/drawing/2014/main" id="{5B7778FC-632E-4DCA-A7CB-0D7731CCF970}"/>
+              </a:ext>
+              <a:ext uri="{C183D7F6-B498-43B3-948B-1728B52AA6E4}">
+                <adec:decorative xmlns:adec="http://schemas.microsoft.com/office/drawing/2017/decorative" val="1"/>
+              </a:ext>
+            </a:extLst>
+          </p:cNvPr>
+          <p:cNvSpPr>
+            <a:spLocks noGrp="1" noRot="1" noChangeAspect="1" noMove="1" noResize="1" noEditPoints="1" noAdjustHandles="1" noChangeArrowheads="1" noChangeShapeType="1" noTextEdit="1"/>
+          </p:cNvSpPr>
+          <p:nvPr>
+            <p:extLst>
+              <p:ext uri="{386F3935-93C4-4BCD-93E2-E3B085C9AB24}">
+                <p16:designElem xmlns:p16="http://schemas.microsoft.com/office/powerpoint/2015/main" val="1"/>
+              </p:ext>
+            </p:extLst>
+          </p:nvPr>
+        </p:nvSpPr>
+        <p:spPr>
+          <a:xfrm rot="19809111">
+            <a:off x="8683720" y="941148"/>
+            <a:ext cx="2987899" cy="2987899"/>
+          </a:xfrm>
+          <a:prstGeom prst="arc">
+            <a:avLst>
+              <a:gd name="adj1" fmla="val 15817365"/>
+              <a:gd name="adj2" fmla="val 1781380"/>
+            </a:avLst>
+          </a:prstGeom>
+          <a:ln w="127000" cap="rnd">
             <a:solidFill>
-              <a:srgbClr val="D9D9D9"/>
+              <a:schemeClr val="accent4"/>
             </a:solidFill>
+            <a:prstDash val="dash"/>
+            <a:miter lim="800000"/>
           </a:ln>
         </p:spPr>
         <p:style>
@@ -6237,27 +5768,156 @@
             <a:schemeClr val="tx1"/>
           </a:fontRef>
         </p:style>
-      </p:cxnSp>
-      <p:sp>
-        <p:nvSpPr>
-          <p:cNvPr id="3" name="Subtitle 2">
-            <a:extLst>
-              <a:ext uri="{FF2B5EF4-FFF2-40B4-BE49-F238E27FC236}">
-                <a16:creationId xmlns:a16="http://schemas.microsoft.com/office/drawing/2014/main" id="{814253EE-4FA2-4843-BE27-C7D5B08FFB81}"/>
-              </a:ext>
-            </a:extLst>
-          </p:cNvPr>
-          <p:cNvSpPr>
-            <a:spLocks noGrp="1"/>
-          </p:cNvSpPr>
-          <p:nvPr>
-            <p:ph type="subTitle" idx="1"/>
+        <p:txBody>
+          <a:bodyPr rtlCol="0" anchor="ctr"/>
+          <a:lstStyle/>
+          <a:p>
+            <a:pPr marL="0" marR="0" lvl="0" indent="0" algn="ctr" defTabSz="914400" rtl="0" eaLnBrk="1" fontAlgn="auto" latinLnBrk="0" hangingPunct="1">
+              <a:lnSpc>
+                <a:spcPct val="100000"/>
+              </a:lnSpc>
+              <a:spcBef>
+                <a:spcPts val="0"/>
+              </a:spcBef>
+              <a:spcAft>
+                <a:spcPts val="0"/>
+              </a:spcAft>
+              <a:buClrTx/>
+              <a:buSzTx/>
+              <a:buFontTx/>
+              <a:buNone/>
+              <a:tabLst/>
+              <a:defRPr/>
+            </a:pPr>
+            <a:endParaRPr kumimoji="0" lang="en-US" sz="1800" b="0" i="0" u="none" strike="noStrike" kern="1200" cap="none" spc="0" normalizeH="0" baseline="0" noProof="0">
+              <a:ln>
+                <a:noFill/>
+              </a:ln>
+              <a:solidFill>
+                <a:srgbClr val="000000"/>
+              </a:solidFill>
+              <a:effectLst/>
+              <a:uLnTx/>
+              <a:uFillTx/>
+              <a:latin typeface="Calibri" panose="020F0502020204030204"/>
+              <a:ea typeface="+mn-ea"/>
+              <a:cs typeface="+mn-cs"/>
+            </a:endParaRPr>
+          </a:p>
+        </p:txBody>
+      </p:sp>
+      <p:sp>
+        <p:nvSpPr>
+          <p:cNvPr id="23" name="Oval 22">
+            <a:extLst>
+              <a:ext uri="{FF2B5EF4-FFF2-40B4-BE49-F238E27FC236}">
+                <a16:creationId xmlns:a16="http://schemas.microsoft.com/office/drawing/2014/main" id="{FA23A907-97FB-4A8F-880A-DD77401C4296}"/>
+              </a:ext>
+              <a:ext uri="{C183D7F6-B498-43B3-948B-1728B52AA6E4}">
+                <adec:decorative xmlns:adec="http://schemas.microsoft.com/office/drawing/2017/decorative" val="1"/>
+              </a:ext>
+            </a:extLst>
+          </p:cNvPr>
+          <p:cNvSpPr>
+            <a:spLocks noGrp="1" noRot="1" noChangeAspect="1" noMove="1" noResize="1" noEditPoints="1" noAdjustHandles="1" noChangeArrowheads="1" noChangeShapeType="1" noTextEdit="1"/>
+          </p:cNvSpPr>
+          <p:nvPr>
+            <p:extLst>
+              <p:ext uri="{386F3935-93C4-4BCD-93E2-E3B085C9AB24}">
+                <p16:designElem xmlns:p16="http://schemas.microsoft.com/office/powerpoint/2015/main" val="1"/>
+              </p:ext>
+            </p:extLst>
           </p:nvPr>
         </p:nvSpPr>
         <p:spPr>
           <a:xfrm>
-            <a:off x="1339362" y="5815698"/>
-            <a:ext cx="9144000" cy="420001"/>
+            <a:off x="910048" y="4780992"/>
+            <a:ext cx="546100" cy="546100"/>
+          </a:xfrm>
+          <a:prstGeom prst="ellipse">
+            <a:avLst/>
+          </a:prstGeom>
+          <a:solidFill>
+            <a:schemeClr val="accent5"/>
+          </a:solidFill>
+          <a:ln>
+            <a:noFill/>
+          </a:ln>
+        </p:spPr>
+        <p:style>
+          <a:lnRef idx="2">
+            <a:schemeClr val="accent1">
+              <a:shade val="50000"/>
+            </a:schemeClr>
+          </a:lnRef>
+          <a:fillRef idx="1">
+            <a:schemeClr val="accent1"/>
+          </a:fillRef>
+          <a:effectRef idx="0">
+            <a:schemeClr val="accent1"/>
+          </a:effectRef>
+          <a:fontRef idx="minor">
+            <a:schemeClr val="lt1"/>
+          </a:fontRef>
+        </p:style>
+        <p:txBody>
+          <a:bodyPr rtlCol="0" anchor="ctr"/>
+          <a:lstStyle/>
+          <a:p>
+            <a:pPr marL="0" marR="0" lvl="0" indent="0" algn="ctr" defTabSz="914400" rtl="0" eaLnBrk="1" fontAlgn="auto" latinLnBrk="0" hangingPunct="1">
+              <a:lnSpc>
+                <a:spcPct val="100000"/>
+              </a:lnSpc>
+              <a:spcBef>
+                <a:spcPts val="0"/>
+              </a:spcBef>
+              <a:spcAft>
+                <a:spcPts val="0"/>
+              </a:spcAft>
+              <a:buClrTx/>
+              <a:buSzTx/>
+              <a:buFontTx/>
+              <a:buNone/>
+              <a:tabLst/>
+              <a:defRPr/>
+            </a:pPr>
+            <a:endParaRPr kumimoji="0" lang="en-US" sz="1800" b="0" i="0" u="none" strike="noStrike" kern="1200" cap="none" spc="0" normalizeH="0" baseline="0" noProof="0">
+              <a:ln>
+                <a:noFill/>
+              </a:ln>
+              <a:solidFill>
+                <a:srgbClr val="FFFFFF"/>
+              </a:solidFill>
+              <a:effectLst/>
+              <a:uLnTx/>
+              <a:uFillTx/>
+              <a:latin typeface="Calibri" panose="020F0502020204030204"/>
+              <a:ea typeface="+mn-ea"/>
+              <a:cs typeface="+mn-cs"/>
+            </a:endParaRPr>
+          </a:p>
+        </p:txBody>
+      </p:sp>
+      <p:sp>
+        <p:nvSpPr>
+          <p:cNvPr id="3" name="Content Placeholder 2">
+            <a:extLst>
+              <a:ext uri="{FF2B5EF4-FFF2-40B4-BE49-F238E27FC236}">
+                <a16:creationId xmlns:a16="http://schemas.microsoft.com/office/drawing/2014/main" id="{E7AB27BD-F71D-43CE-A13B-98993FACBF93}"/>
+              </a:ext>
+            </a:extLst>
+          </p:cNvPr>
+          <p:cNvSpPr>
+            <a:spLocks noGrp="1"/>
+          </p:cNvSpPr>
+          <p:nvPr>
+            <p:ph idx="1"/>
+          </p:nvPr>
+        </p:nvSpPr>
+        <p:spPr>
+          <a:xfrm>
+            <a:off x="5370153" y="1526033"/>
+            <a:ext cx="5536397" cy="3935281"/>
           </a:xfrm>
         </p:spPr>
         <p:txBody>
@@ -6266,268 +5926,252 @@
           </a:bodyPr>
           <a:lstStyle/>
           <a:p>
-            <a:endParaRPr lang="en-US" sz="2000" dirty="0">
-              <a:solidFill>
-                <a:srgbClr val="E7E6E6"/>
-              </a:solidFill>
-              <a:latin typeface="Segoe UI" panose="020B0502040204020203" pitchFamily="34" charset="0"/>
-              <a:cs typeface="Segoe UI" panose="020B0502040204020203" pitchFamily="34" charset="0"/>
-            </a:endParaRPr>
+            <a:r>
+              <a:rPr lang="en-US" sz="2600" dirty="0"/>
+              <a:t>Chapters 16, 17, 18, 20, with a heavy emphasis on chapters 17, and 18</a:t>
+            </a:r>
+          </a:p>
+          <a:p>
+            <a:r>
+              <a:rPr lang="en-US" sz="2600" dirty="0"/>
+              <a:t>25 questions (200 points) with 2 extra credit questions (16 points) in 75 mins</a:t>
+            </a:r>
+          </a:p>
+          <a:p>
+            <a:r>
+              <a:rPr lang="en-US" sz="2600" dirty="0"/>
+              <a:t>Notes are allowed</a:t>
+            </a:r>
+          </a:p>
+          <a:p>
+            <a:r>
+              <a:rPr lang="en-US" sz="2600" dirty="0"/>
+              <a:t>Lockdown Browser is required </a:t>
+            </a:r>
+          </a:p>
+          <a:p>
+            <a:r>
+              <a:rPr lang="en-US" sz="2600" b="1" dirty="0"/>
+              <a:t>1 attempt only </a:t>
+            </a:r>
+          </a:p>
+          <a:p>
+            <a:r>
+              <a:rPr lang="en-US" sz="2600" dirty="0"/>
+              <a:t>Online</a:t>
+            </a:r>
+          </a:p>
+        </p:txBody>
+      </p:sp>
+      <p:sp>
+        <p:nvSpPr>
+          <p:cNvPr id="4" name="Footer Placeholder 3">
+            <a:extLst>
+              <a:ext uri="{FF2B5EF4-FFF2-40B4-BE49-F238E27FC236}">
+                <a16:creationId xmlns:a16="http://schemas.microsoft.com/office/drawing/2014/main" id="{144766A8-A0C6-401D-B794-3257A919B613}"/>
+              </a:ext>
+            </a:extLst>
+          </p:cNvPr>
+          <p:cNvSpPr>
+            <a:spLocks noGrp="1"/>
+          </p:cNvSpPr>
+          <p:nvPr>
+            <p:ph type="ftr" sz="quarter" idx="11"/>
+          </p:nvPr>
+        </p:nvSpPr>
+        <p:spPr/>
+        <p:txBody>
+          <a:bodyPr/>
+          <a:lstStyle/>
+          <a:p>
+            <a:r>
+              <a:rPr lang="en-US"/>
+              <a:t>Mike Nguyen</a:t>
+            </a:r>
+            <a:endParaRPr lang="en-US" dirty="0"/>
+          </a:p>
+        </p:txBody>
+      </p:sp>
+      <p:sp>
+        <p:nvSpPr>
+          <p:cNvPr id="5" name="Slide Number Placeholder 4">
+            <a:extLst>
+              <a:ext uri="{FF2B5EF4-FFF2-40B4-BE49-F238E27FC236}">
+                <a16:creationId xmlns:a16="http://schemas.microsoft.com/office/drawing/2014/main" id="{3556A7D8-C33D-443B-AB58-0036642D7663}"/>
+              </a:ext>
+            </a:extLst>
+          </p:cNvPr>
+          <p:cNvSpPr>
+            <a:spLocks noGrp="1"/>
+          </p:cNvSpPr>
+          <p:nvPr>
+            <p:ph type="sldNum" sz="quarter" idx="12"/>
+          </p:nvPr>
+        </p:nvSpPr>
+        <p:spPr/>
+        <p:txBody>
+          <a:bodyPr/>
+          <a:lstStyle/>
+          <a:p>
+            <a:fld id="{A6AF1B4E-90EC-4A51-B6E5-B702C054ECB0}" type="slidenum">
+              <a:rPr lang="en-US" smtClean="0"/>
+              <a:t>2</a:t>
+            </a:fld>
+            <a:endParaRPr lang="en-US" dirty="0"/>
           </a:p>
         </p:txBody>
       </p:sp>
     </p:spTree>
     <p:extLst>
       <p:ext uri="{BB962C8B-B14F-4D97-AF65-F5344CB8AC3E}">
-        <p14:creationId xmlns:p14="http://schemas.microsoft.com/office/powerpoint/2010/main" val="2372968877"/>
+        <p14:creationId xmlns:p14="http://schemas.microsoft.com/office/powerpoint/2010/main" val="3738535367"/>
       </p:ext>
     </p:extLst>
   </p:cSld>
   <p:clrMapOvr>
     <a:masterClrMapping/>
   </p:clrMapOvr>
-  <p:timing>
-    <p:tnLst>
-      <p:par>
-        <p:cTn id="1" dur="indefinite" restart="never" nodeType="tmRoot">
-          <p:childTnLst>
-            <p:seq concurrent="1" nextAc="seek">
-              <p:cTn id="2" dur="indefinite" nodeType="mainSeq">
-                <p:childTnLst>
-                  <p:par>
-                    <p:cTn id="3" fill="hold">
-                      <p:stCondLst>
-                        <p:cond delay="indefinite"/>
-                      </p:stCondLst>
-                      <p:childTnLst>
-                        <p:par>
-                          <p:cTn id="4" fill="hold">
-                            <p:stCondLst>
-                              <p:cond delay="0"/>
-                            </p:stCondLst>
-                            <p:childTnLst>
-                              <p:par>
-                                <p:cTn id="5" presetID="16" presetClass="entr" presetSubtype="21" fill="hold" nodeType="clickEffect">
-                                  <p:stCondLst>
-                                    <p:cond delay="0"/>
-                                  </p:stCondLst>
-                                  <p:childTnLst>
-                                    <p:set>
-                                      <p:cBhvr>
-                                        <p:cTn id="6" dur="1" fill="hold">
-                                          <p:stCondLst>
-                                            <p:cond delay="0"/>
-                                          </p:stCondLst>
-                                        </p:cTn>
-                                        <p:tgtEl>
-                                          <p:spTgt spid="11"/>
-                                        </p:tgtEl>
-                                        <p:attrNameLst>
-                                          <p:attrName>style.visibility</p:attrName>
-                                        </p:attrNameLst>
-                                      </p:cBhvr>
-                                      <p:to>
-                                        <p:strVal val="visible"/>
-                                      </p:to>
-                                    </p:set>
-                                    <p:animEffect transition="in" filter="barn(inVertical)">
-                                      <p:cBhvr>
-                                        <p:cTn id="7" dur="500"/>
-                                        <p:tgtEl>
-                                          <p:spTgt spid="11"/>
-                                        </p:tgtEl>
-                                      </p:cBhvr>
-                                    </p:animEffect>
-                                  </p:childTnLst>
-                                </p:cTn>
-                              </p:par>
-                            </p:childTnLst>
-                          </p:cTn>
-                        </p:par>
-                      </p:childTnLst>
-                    </p:cTn>
-                  </p:par>
-                  <p:par>
-                    <p:cTn id="8" fill="hold">
-                      <p:stCondLst>
-                        <p:cond delay="indefinite"/>
-                      </p:stCondLst>
-                      <p:childTnLst>
-                        <p:par>
-                          <p:cTn id="9" fill="hold">
-                            <p:stCondLst>
-                              <p:cond delay="0"/>
-                            </p:stCondLst>
-                            <p:childTnLst>
-                              <p:par>
-                                <p:cTn id="10" presetID="16" presetClass="entr" presetSubtype="21" fill="hold" nodeType="clickEffect">
-                                  <p:stCondLst>
-                                    <p:cond delay="0"/>
-                                  </p:stCondLst>
-                                  <p:childTnLst>
-                                    <p:set>
-                                      <p:cBhvr>
-                                        <p:cTn id="11" dur="1" fill="hold">
-                                          <p:stCondLst>
-                                            <p:cond delay="0"/>
-                                          </p:stCondLst>
-                                        </p:cTn>
-                                        <p:tgtEl>
-                                          <p:spTgt spid="5"/>
-                                        </p:tgtEl>
-                                        <p:attrNameLst>
-                                          <p:attrName>style.visibility</p:attrName>
-                                        </p:attrNameLst>
-                                      </p:cBhvr>
-                                      <p:to>
-                                        <p:strVal val="visible"/>
-                                      </p:to>
-                                    </p:set>
-                                    <p:animEffect transition="in" filter="barn(inVertical)">
-                                      <p:cBhvr>
-                                        <p:cTn id="12" dur="500"/>
-                                        <p:tgtEl>
-                                          <p:spTgt spid="5"/>
-                                        </p:tgtEl>
-                                      </p:cBhvr>
-                                    </p:animEffect>
-                                  </p:childTnLst>
-                                </p:cTn>
-                              </p:par>
-                            </p:childTnLst>
-                          </p:cTn>
-                        </p:par>
-                      </p:childTnLst>
-                    </p:cTn>
-                  </p:par>
-                  <p:par>
-                    <p:cTn id="13" fill="hold">
-                      <p:stCondLst>
-                        <p:cond delay="indefinite"/>
-                      </p:stCondLst>
-                      <p:childTnLst>
-                        <p:par>
-                          <p:cTn id="14" fill="hold">
-                            <p:stCondLst>
-                              <p:cond delay="0"/>
-                            </p:stCondLst>
-                            <p:childTnLst>
-                              <p:par>
-                                <p:cTn id="15" presetID="16" presetClass="entr" presetSubtype="21" fill="hold" nodeType="clickEffect">
-                                  <p:stCondLst>
-                                    <p:cond delay="0"/>
-                                  </p:stCondLst>
-                                  <p:childTnLst>
-                                    <p:set>
-                                      <p:cBhvr>
-                                        <p:cTn id="16" dur="1" fill="hold">
-                                          <p:stCondLst>
-                                            <p:cond delay="0"/>
-                                          </p:stCondLst>
-                                        </p:cTn>
-                                        <p:tgtEl>
-                                          <p:spTgt spid="7"/>
-                                        </p:tgtEl>
-                                        <p:attrNameLst>
-                                          <p:attrName>style.visibility</p:attrName>
-                                        </p:attrNameLst>
-                                      </p:cBhvr>
-                                      <p:to>
-                                        <p:strVal val="visible"/>
-                                      </p:to>
-                                    </p:set>
-                                    <p:animEffect transition="in" filter="barn(inVertical)">
-                                      <p:cBhvr>
-                                        <p:cTn id="17" dur="500"/>
-                                        <p:tgtEl>
-                                          <p:spTgt spid="7"/>
-                                        </p:tgtEl>
-                                      </p:cBhvr>
-                                    </p:animEffect>
-                                  </p:childTnLst>
-                                </p:cTn>
-                              </p:par>
-                            </p:childTnLst>
-                          </p:cTn>
-                        </p:par>
-                      </p:childTnLst>
-                    </p:cTn>
-                  </p:par>
-                  <p:par>
-                    <p:cTn id="18" fill="hold">
-                      <p:stCondLst>
-                        <p:cond delay="indefinite"/>
-                      </p:stCondLst>
-                      <p:childTnLst>
-                        <p:par>
-                          <p:cTn id="19" fill="hold">
-                            <p:stCondLst>
-                              <p:cond delay="0"/>
-                            </p:stCondLst>
-                            <p:childTnLst>
-                              <p:par>
-                                <p:cTn id="20" presetID="16" presetClass="entr" presetSubtype="21" fill="hold" nodeType="clickEffect">
-                                  <p:stCondLst>
-                                    <p:cond delay="0"/>
-                                  </p:stCondLst>
-                                  <p:childTnLst>
-                                    <p:set>
-                                      <p:cBhvr>
-                                        <p:cTn id="21" dur="1" fill="hold">
-                                          <p:stCondLst>
-                                            <p:cond delay="0"/>
-                                          </p:stCondLst>
-                                        </p:cTn>
-                                        <p:tgtEl>
-                                          <p:spTgt spid="9"/>
-                                        </p:tgtEl>
-                                        <p:attrNameLst>
-                                          <p:attrName>style.visibility</p:attrName>
-                                        </p:attrNameLst>
-                                      </p:cBhvr>
-                                      <p:to>
-                                        <p:strVal val="visible"/>
-                                      </p:to>
-                                    </p:set>
-                                    <p:animEffect transition="in" filter="barn(inVertical)">
-                                      <p:cBhvr>
-                                        <p:cTn id="22" dur="500"/>
-                                        <p:tgtEl>
-                                          <p:spTgt spid="9"/>
-                                        </p:tgtEl>
-                                      </p:cBhvr>
-                                    </p:animEffect>
-                                  </p:childTnLst>
-                                </p:cTn>
-                              </p:par>
-                            </p:childTnLst>
-                          </p:cTn>
-                        </p:par>
-                      </p:childTnLst>
-                    </p:cTn>
-                  </p:par>
-                </p:childTnLst>
-              </p:cTn>
-              <p:prevCondLst>
-                <p:cond evt="onPrev" delay="0">
-                  <p:tgtEl>
-                    <p:sldTgt/>
-                  </p:tgtEl>
-                </p:cond>
-              </p:prevCondLst>
-              <p:nextCondLst>
-                <p:cond evt="onNext" delay="0">
-                  <p:tgtEl>
-                    <p:sldTgt/>
-                  </p:tgtEl>
-                </p:cond>
-              </p:nextCondLst>
-            </p:seq>
-          </p:childTnLst>
-        </p:cTn>
-      </p:par>
-    </p:tnLst>
-  </p:timing>
+</p:sld>
+</file>
+
+<file path=ppt/slides/slide3.xml><?xml version="1.0" encoding="utf-8"?>
+<p:sld xmlns:a="http://schemas.openxmlformats.org/drawingml/2006/main" xmlns:r="http://schemas.openxmlformats.org/officeDocument/2006/relationships" xmlns:p="http://schemas.openxmlformats.org/presentationml/2006/main">
+  <p:cSld>
+    <p:spTree>
+      <p:nvGrpSpPr>
+        <p:cNvPr id="1" name=""/>
+        <p:cNvGrpSpPr/>
+        <p:nvPr/>
+      </p:nvGrpSpPr>
+      <p:grpSpPr>
+        <a:xfrm>
+          <a:off x="0" y="0"/>
+          <a:ext cx="0" cy="0"/>
+          <a:chOff x="0" y="0"/>
+          <a:chExt cx="0" cy="0"/>
+        </a:xfrm>
+      </p:grpSpPr>
+      <p:sp>
+        <p:nvSpPr>
+          <p:cNvPr id="2" name="Title 1">
+            <a:extLst>
+              <a:ext uri="{FF2B5EF4-FFF2-40B4-BE49-F238E27FC236}">
+                <a16:creationId xmlns:a16="http://schemas.microsoft.com/office/drawing/2014/main" id="{173747B3-2073-4EC2-B75C-C2411686D7EB}"/>
+              </a:ext>
+            </a:extLst>
+          </p:cNvPr>
+          <p:cNvSpPr>
+            <a:spLocks noGrp="1"/>
+          </p:cNvSpPr>
+          <p:nvPr>
+            <p:ph type="title"/>
+          </p:nvPr>
+        </p:nvSpPr>
+        <p:spPr/>
+        <p:txBody>
+          <a:bodyPr/>
+          <a:lstStyle/>
+          <a:p>
+            <a:r>
+              <a:rPr lang="en-US" dirty="0"/>
+              <a:t>Regression</a:t>
+            </a:r>
+          </a:p>
+        </p:txBody>
+      </p:sp>
+      <p:sp>
+        <p:nvSpPr>
+          <p:cNvPr id="3" name="Content Placeholder 2">
+            <a:extLst>
+              <a:ext uri="{FF2B5EF4-FFF2-40B4-BE49-F238E27FC236}">
+                <a16:creationId xmlns:a16="http://schemas.microsoft.com/office/drawing/2014/main" id="{E92122FD-93EF-4647-BA1E-056C7A41D815}"/>
+              </a:ext>
+            </a:extLst>
+          </p:cNvPr>
+          <p:cNvSpPr>
+            <a:spLocks noGrp="1"/>
+          </p:cNvSpPr>
+          <p:nvPr>
+            <p:ph idx="1"/>
+          </p:nvPr>
+        </p:nvSpPr>
+        <p:spPr/>
+        <p:txBody>
+          <a:bodyPr/>
+          <a:lstStyle/>
+          <a:p>
+            <a:endParaRPr lang="en-US"/>
+          </a:p>
+        </p:txBody>
+      </p:sp>
+      <p:sp>
+        <p:nvSpPr>
+          <p:cNvPr id="4" name="Footer Placeholder 3">
+            <a:extLst>
+              <a:ext uri="{FF2B5EF4-FFF2-40B4-BE49-F238E27FC236}">
+                <a16:creationId xmlns:a16="http://schemas.microsoft.com/office/drawing/2014/main" id="{7F1E192C-031B-4E4A-A8F2-984EC547DC83}"/>
+              </a:ext>
+            </a:extLst>
+          </p:cNvPr>
+          <p:cNvSpPr>
+            <a:spLocks noGrp="1"/>
+          </p:cNvSpPr>
+          <p:nvPr>
+            <p:ph type="ftr" sz="quarter" idx="11"/>
+          </p:nvPr>
+        </p:nvSpPr>
+        <p:spPr/>
+        <p:txBody>
+          <a:bodyPr/>
+          <a:lstStyle/>
+          <a:p>
+            <a:r>
+              <a:rPr lang="en-US"/>
+              <a:t>Mike Nguyen</a:t>
+            </a:r>
+            <a:endParaRPr lang="en-US" dirty="0"/>
+          </a:p>
+        </p:txBody>
+      </p:sp>
+      <p:sp>
+        <p:nvSpPr>
+          <p:cNvPr id="5" name="Slide Number Placeholder 4">
+            <a:extLst>
+              <a:ext uri="{FF2B5EF4-FFF2-40B4-BE49-F238E27FC236}">
+                <a16:creationId xmlns:a16="http://schemas.microsoft.com/office/drawing/2014/main" id="{A950C673-CF10-4B05-975D-D3F53922BADC}"/>
+              </a:ext>
+            </a:extLst>
+          </p:cNvPr>
+          <p:cNvSpPr>
+            <a:spLocks noGrp="1"/>
+          </p:cNvSpPr>
+          <p:nvPr>
+            <p:ph type="sldNum" sz="quarter" idx="12"/>
+          </p:nvPr>
+        </p:nvSpPr>
+        <p:spPr/>
+        <p:txBody>
+          <a:bodyPr/>
+          <a:lstStyle/>
+          <a:p>
+            <a:fld id="{A6AF1B4E-90EC-4A51-B6E5-B702C054ECB0}" type="slidenum">
+              <a:rPr lang="en-US" smtClean="0"/>
+              <a:t>3</a:t>
+            </a:fld>
+            <a:endParaRPr lang="en-US" dirty="0"/>
+          </a:p>
+        </p:txBody>
+      </p:sp>
+    </p:spTree>
+    <p:extLst>
+      <p:ext uri="{BB962C8B-B14F-4D97-AF65-F5344CB8AC3E}">
+        <p14:creationId xmlns:p14="http://schemas.microsoft.com/office/powerpoint/2010/main" val="507336661"/>
+      </p:ext>
+    </p:extLst>
+  </p:cSld>
+  <p:clrMapOvr>
+    <a:masterClrMapping/>
+  </p:clrMapOvr>
 </p:sld>
 </file>
 
@@ -7417,14 +7061,6 @@
 </file>
 
 <file path=customXml/item1.xml><?xml version="1.0" encoding="utf-8"?>
-<p:properties xmlns:p="http://schemas.microsoft.com/office/2006/metadata/properties" xmlns:xsi="http://www.w3.org/2001/XMLSchema-instance" xmlns:pc="http://schemas.microsoft.com/office/infopath/2007/PartnerControls">
-  <documentManagement>
-    <MediaServiceKeyPoints xmlns="71af3243-3dd4-4a8d-8c0d-dd76da1f02a5" xsi:nil="true"/>
-  </documentManagement>
-</p:properties>
-</file>
-
-<file path=customXml/item2.xml><?xml version="1.0" encoding="utf-8"?>
 <?mso-contentType ?>
 <FormTemplates xmlns="http://schemas.microsoft.com/sharepoint/v3/contenttype/forms">
   <Display>DocumentLibraryForm</Display>
@@ -7433,7 +7069,7 @@
 </FormTemplates>
 </file>
 
-<file path=customXml/item3.xml><?xml version="1.0" encoding="utf-8"?>
+<file path=customXml/item2.xml><?xml version="1.0" encoding="utf-8"?>
 <ct:contentTypeSchema xmlns:ct="http://schemas.microsoft.com/office/2006/metadata/contentType" xmlns:ma="http://schemas.microsoft.com/office/2006/metadata/properties/metaAttributes" ct:_="" ma:_="" ma:contentTypeName="Document" ma:contentTypeID="0x01010079F111ED35F8CC479449609E8A0923A6" ma:contentTypeVersion="11" ma:contentTypeDescription="Create a new document." ma:contentTypeScope="" ma:versionID="96291512c1ee715ab617f4c07df79fc1">
   <xsd:schema xmlns:xsd="http://www.w3.org/2001/XMLSchema" xmlns:xs="http://www.w3.org/2001/XMLSchema" xmlns:p="http://schemas.microsoft.com/office/2006/metadata/properties" xmlns:ns2="71af3243-3dd4-4a8d-8c0d-dd76da1f02a5" xmlns:ns3="16c05727-aa75-4e4a-9b5f-8a80a1165891" targetNamespace="http://schemas.microsoft.com/office/2006/metadata/properties" ma:root="true" ma:fieldsID="8256c27c40ca5c40ce1cf6c44f0205df" ns2:_="" ns3:_="">
     <xsd:import namespace="71af3243-3dd4-4a8d-8c0d-dd76da1f02a5"/>
@@ -7644,17 +7280,15 @@
 </ct:contentTypeSchema>
 </file>
 
-<file path=customXml/itemProps1.xml><?xml version="1.0" encoding="utf-8"?>
-<ds:datastoreItem xmlns:ds="http://schemas.openxmlformats.org/officeDocument/2006/customXml" ds:itemID="{03C7D9E6-B0D9-433E-BD46-EB60F64F4DA8}">
-  <ds:schemaRefs>
-    <ds:schemaRef ds:uri="http://schemas.microsoft.com/office/2006/metadata/properties"/>
-    <ds:schemaRef ds:uri="http://schemas.microsoft.com/office/infopath/2007/PartnerControls"/>
-    <ds:schemaRef ds:uri="71af3243-3dd4-4a8d-8c0d-dd76da1f02a5"/>
-  </ds:schemaRefs>
-</ds:datastoreItem>
+<file path=customXml/item3.xml><?xml version="1.0" encoding="utf-8"?>
+<p:properties xmlns:p="http://schemas.microsoft.com/office/2006/metadata/properties" xmlns:xsi="http://www.w3.org/2001/XMLSchema-instance" xmlns:pc="http://schemas.microsoft.com/office/infopath/2007/PartnerControls">
+  <documentManagement>
+    <MediaServiceKeyPoints xmlns="71af3243-3dd4-4a8d-8c0d-dd76da1f02a5" xsi:nil="true"/>
+  </documentManagement>
+</p:properties>
 </file>
 
-<file path=customXml/itemProps2.xml><?xml version="1.0" encoding="utf-8"?>
+<file path=customXml/itemProps1.xml><?xml version="1.0" encoding="utf-8"?>
 <ds:datastoreItem xmlns:ds="http://schemas.openxmlformats.org/officeDocument/2006/customXml" ds:itemID="{5CA875DA-F9FD-4F83-A049-3B1027B542DE}">
   <ds:schemaRefs>
     <ds:schemaRef ds:uri="http://schemas.microsoft.com/sharepoint/v3/contenttype/forms"/>
@@ -7662,7 +7296,7 @@
 </ds:datastoreItem>
 </file>
 
-<file path=customXml/itemProps3.xml><?xml version="1.0" encoding="utf-8"?>
+<file path=customXml/itemProps2.xml><?xml version="1.0" encoding="utf-8"?>
 <ds:datastoreItem xmlns:ds="http://schemas.openxmlformats.org/officeDocument/2006/customXml" ds:itemID="{B2AB02E3-5ADF-4BF0-9C1B-35CDF3FE95B0}">
   <ds:schemaRefs>
     <ds:schemaRef ds:uri="http://schemas.microsoft.com/office/2006/metadata/contentType"/>
@@ -7679,4 +7313,14 @@
     <ds:schemaRef ds:uri="http://schemas.microsoft.com/internal/obd"/>
   </ds:schemaRefs>
 </ds:datastoreItem>
+</file>
+
+<file path=customXml/itemProps3.xml><?xml version="1.0" encoding="utf-8"?>
+<ds:datastoreItem xmlns:ds="http://schemas.openxmlformats.org/officeDocument/2006/customXml" ds:itemID="{03C7D9E6-B0D9-433E-BD46-EB60F64F4DA8}">
+  <ds:schemaRefs>
+    <ds:schemaRef ds:uri="http://schemas.microsoft.com/office/2006/metadata/properties"/>
+    <ds:schemaRef ds:uri="http://schemas.microsoft.com/office/infopath/2007/PartnerControls"/>
+    <ds:schemaRef ds:uri="71af3243-3dd4-4a8d-8c0d-dd76da1f02a5"/>
+  </ds:schemaRefs>
+</ds:datastoreItem>
 </file>